--- a/shop/documents/Имитация кассового аппарата.pptx
+++ b/shop/documents/Имитация кассового аппарата.pptx
@@ -203,7 +203,7 @@
           <a:p>
             <a:fld id="{75FDFBFB-010E-4581-8C64-87A42C7C2DF5}" type="datetimeFigureOut">
               <a:rPr lang="ru-RU" smtClean="0"/>
-              <a:t>10.11.2022</a:t>
+              <a:t>11.11.2022</a:t>
             </a:fld>
             <a:endParaRPr lang="ru-RU"/>
           </a:p>
@@ -656,7 +656,7 @@
           <a:p>
             <a:fld id="{2C63DD79-62ED-481A-A5E7-01BF3D63C108}" type="datetime1">
               <a:rPr lang="en-US" smtClean="0"/>
-              <a:t>11/10/2022</a:t>
+              <a:t>11/11/2022</a:t>
             </a:fld>
             <a:endParaRPr lang="en-US" dirty="0"/>
           </a:p>
@@ -926,7 +926,7 @@
           <a:p>
             <a:fld id="{A41919B2-F6B8-44FA-855B-DEFCF9BCB197}" type="datetime1">
               <a:rPr lang="en-US" smtClean="0"/>
-              <a:t>11/10/2022</a:t>
+              <a:t>11/11/2022</a:t>
             </a:fld>
             <a:endParaRPr lang="en-US" dirty="0"/>
           </a:p>
@@ -1115,7 +1115,7 @@
           <a:p>
             <a:fld id="{3CC50CA8-B1D2-421C-94B9-77EF3D1B3E38}" type="datetime1">
               <a:rPr lang="en-US" smtClean="0"/>
-              <a:t>11/10/2022</a:t>
+              <a:t>11/11/2022</a:t>
             </a:fld>
             <a:endParaRPr lang="en-US" dirty="0"/>
           </a:p>
@@ -1383,7 +1383,7 @@
           <a:p>
             <a:fld id="{EEFBED7C-C037-4F83-A42B-14FF728C5653}" type="datetime1">
               <a:rPr lang="en-US" smtClean="0"/>
-              <a:t>11/10/2022</a:t>
+              <a:t>11/11/2022</a:t>
             </a:fld>
             <a:endParaRPr lang="en-US" dirty="0"/>
           </a:p>
@@ -1719,7 +1719,7 @@
           <a:p>
             <a:fld id="{95858007-95A6-4143-8407-B4DB86B7E503}" type="datetime1">
               <a:rPr lang="en-US" smtClean="0"/>
-              <a:t>11/10/2022</a:t>
+              <a:t>11/11/2022</a:t>
             </a:fld>
             <a:endParaRPr lang="en-US" dirty="0"/>
           </a:p>
@@ -2337,7 +2337,7 @@
           <a:p>
             <a:fld id="{FEF80DA0-E6F8-4D2A-B358-12DA1EB8AC1E}" type="datetime1">
               <a:rPr lang="en-US" smtClean="0"/>
-              <a:t>11/10/2022</a:t>
+              <a:t>11/11/2022</a:t>
             </a:fld>
             <a:endParaRPr lang="en-US" dirty="0"/>
           </a:p>
@@ -3192,7 +3192,7 @@
           <a:p>
             <a:fld id="{C045B6F2-FFA8-42FB-9B33-63EB6C4D2885}" type="datetime1">
               <a:rPr lang="en-US" smtClean="0"/>
-              <a:t>11/10/2022</a:t>
+              <a:t>11/11/2022</a:t>
             </a:fld>
             <a:endParaRPr lang="en-US" dirty="0"/>
           </a:p>
@@ -3357,7 +3357,7 @@
           <a:p>
             <a:fld id="{6E4EC17B-1C03-4471-AF10-78B2A42D85A9}" type="datetime1">
               <a:rPr lang="en-US" smtClean="0"/>
-              <a:t>11/10/2022</a:t>
+              <a:t>11/11/2022</a:t>
             </a:fld>
             <a:endParaRPr lang="en-US" dirty="0"/>
           </a:p>
@@ -3532,7 +3532,7 @@
           <a:p>
             <a:fld id="{9313C7B6-9CC3-4180-9258-7AAB7D3368F6}" type="datetime1">
               <a:rPr lang="en-US" smtClean="0"/>
-              <a:t>11/10/2022</a:t>
+              <a:t>11/11/2022</a:t>
             </a:fld>
             <a:endParaRPr lang="en-US" dirty="0"/>
           </a:p>
@@ -3697,7 +3697,7 @@
           <a:p>
             <a:fld id="{833D8112-F243-41C4-9AFC-D89B6F08094F}" type="datetime1">
               <a:rPr lang="en-US" smtClean="0"/>
-              <a:t>11/10/2022</a:t>
+              <a:t>11/11/2022</a:t>
             </a:fld>
             <a:endParaRPr lang="en-US" dirty="0"/>
           </a:p>
@@ -3939,7 +3939,7 @@
           <a:p>
             <a:fld id="{B74C7F3D-99FD-4B50-AE73-B16B7F15E0C5}" type="datetime1">
               <a:rPr lang="en-US" smtClean="0"/>
-              <a:t>11/10/2022</a:t>
+              <a:t>11/11/2022</a:t>
             </a:fld>
             <a:endParaRPr lang="en-US" dirty="0"/>
           </a:p>
@@ -4226,7 +4226,7 @@
           <a:p>
             <a:fld id="{E7E74604-3B9A-46A4-8726-2429A97AF08A}" type="datetime1">
               <a:rPr lang="en-US" smtClean="0"/>
-              <a:t>11/10/2022</a:t>
+              <a:t>11/11/2022</a:t>
             </a:fld>
             <a:endParaRPr lang="en-US" dirty="0"/>
           </a:p>
@@ -4665,7 +4665,7 @@
           <a:p>
             <a:fld id="{81493ABC-D341-497B-9EB4-FF8D8B525BDF}" type="datetime1">
               <a:rPr lang="en-US" smtClean="0"/>
-              <a:t>11/10/2022</a:t>
+              <a:t>11/11/2022</a:t>
             </a:fld>
             <a:endParaRPr lang="en-US" dirty="0"/>
           </a:p>
@@ -4778,7 +4778,7 @@
           <a:p>
             <a:fld id="{86D0ED60-8F64-4E92-8310-5F0B757EA3E5}" type="datetime1">
               <a:rPr lang="en-US" smtClean="0"/>
-              <a:t>11/10/2022</a:t>
+              <a:t>11/11/2022</a:t>
             </a:fld>
             <a:endParaRPr lang="en-US" dirty="0"/>
           </a:p>
@@ -4868,7 +4868,7 @@
           <a:p>
             <a:fld id="{CD5D4FBA-638A-4101-8D40-B128667A85A6}" type="datetime1">
               <a:rPr lang="en-US" smtClean="0"/>
-              <a:t>11/10/2022</a:t>
+              <a:t>11/11/2022</a:t>
             </a:fld>
             <a:endParaRPr lang="en-US" dirty="0"/>
           </a:p>
@@ -5142,7 +5142,7 @@
           <a:p>
             <a:fld id="{40AB1A7B-7B32-4753-AD0B-1BAB65C8D4C3}" type="datetime1">
               <a:rPr lang="en-US" smtClean="0"/>
-              <a:t>11/10/2022</a:t>
+              <a:t>11/11/2022</a:t>
             </a:fld>
             <a:endParaRPr lang="en-US" dirty="0"/>
           </a:p>
@@ -5412,7 +5412,7 @@
           <a:p>
             <a:fld id="{B9996465-FF73-4B7B-B6A2-6B4DDC53A20A}" type="datetime1">
               <a:rPr lang="en-US" smtClean="0"/>
-              <a:t>11/10/2022</a:t>
+              <a:t>11/11/2022</a:t>
             </a:fld>
             <a:endParaRPr lang="en-US" dirty="0"/>
           </a:p>
@@ -5836,7 +5836,7 @@
           <a:p>
             <a:fld id="{1E9E8D41-70C6-44FB-8BF0-91964937824A}" type="datetime1">
               <a:rPr lang="en-US" smtClean="0"/>
-              <a:t>11/10/2022</a:t>
+              <a:t>11/11/2022</a:t>
             </a:fld>
             <a:endParaRPr lang="en-US" dirty="0"/>
           </a:p>
@@ -6410,7 +6410,12 @@
             <p:ph type="subTitle" idx="1"/>
           </p:nvPr>
         </p:nvSpPr>
-        <p:spPr/>
+        <p:spPr>
+          <a:xfrm>
+            <a:off x="1154954" y="4777380"/>
+            <a:ext cx="9197585" cy="861420"/>
+          </a:xfrm>
+        </p:spPr>
         <p:txBody>
           <a:bodyPr/>
           <a:lstStyle/>
@@ -6419,6 +6424,14 @@
             <a:r>
               <a:rPr lang="ru-RU" dirty="0"/>
               <a:t>Десятовский Александр</a:t>
+            </a:r>
+            <a:r>
+              <a:rPr lang="en-US" dirty="0"/>
+              <a:t> </a:t>
+            </a:r>
+            <a:r>
+              <a:rPr lang="ru-RU" dirty="0"/>
+              <a:t>Алексеевич</a:t>
             </a:r>
           </a:p>
         </p:txBody>
@@ -6745,10 +6758,10 @@
       </p:sp>
       <p:pic>
         <p:nvPicPr>
-          <p:cNvPr id="9" name="Рисунок 8">
+          <p:cNvPr id="3" name="Рисунок 2">
             <a:extLst>
               <a:ext uri="{FF2B5EF4-FFF2-40B4-BE49-F238E27FC236}">
-                <a16:creationId xmlns:a16="http://schemas.microsoft.com/office/drawing/2014/main" id="{DA8B1055-ABAD-4D37-BD4B-7C4F43DA6207}"/>
+                <a16:creationId xmlns:a16="http://schemas.microsoft.com/office/drawing/2014/main" id="{E82F3283-F85C-4E10-BDDD-B657712912A1}"/>
               </a:ext>
             </a:extLst>
           </p:cNvPr>
@@ -6765,7 +6778,7 @@
         </p:blipFill>
         <p:spPr>
           <a:xfrm>
-            <a:off x="5970164" y="1556132"/>
+            <a:off x="6096000" y="1675688"/>
             <a:ext cx="5646767" cy="3745736"/>
           </a:xfrm>
           <a:prstGeom prst="rect">
@@ -6987,10 +7000,10 @@
       </p:sp>
       <p:pic>
         <p:nvPicPr>
-          <p:cNvPr id="3" name="Рисунок 2">
+          <p:cNvPr id="6" name="Рисунок 5">
             <a:extLst>
               <a:ext uri="{FF2B5EF4-FFF2-40B4-BE49-F238E27FC236}">
-                <a16:creationId xmlns:a16="http://schemas.microsoft.com/office/drawing/2014/main" id="{BFA5DD6F-6693-4C9E-949F-B3C22A8B5018}"/>
+                <a16:creationId xmlns:a16="http://schemas.microsoft.com/office/drawing/2014/main" id="{9FECCD97-73A4-4626-A548-2CBE59705B90}"/>
               </a:ext>
             </a:extLst>
           </p:cNvPr>
@@ -7007,8 +7020,8 @@
         </p:blipFill>
         <p:spPr>
           <a:xfrm>
-            <a:off x="5742687" y="1387530"/>
-            <a:ext cx="5864712" cy="4322052"/>
+            <a:off x="6127792" y="1669409"/>
+            <a:ext cx="5614975" cy="4322053"/>
           </a:xfrm>
           <a:prstGeom prst="rect">
             <a:avLst/>
@@ -7109,12 +7122,67 @@
           </a:p>
         </p:txBody>
       </p:sp>
+      <p:sp>
+        <p:nvSpPr>
+          <p:cNvPr id="6" name="Текст 3">
+            <a:extLst>
+              <a:ext uri="{FF2B5EF4-FFF2-40B4-BE49-F238E27FC236}">
+                <a16:creationId xmlns:a16="http://schemas.microsoft.com/office/drawing/2014/main" id="{CF3124EF-0AE2-4970-B680-96544B7BA376}"/>
+              </a:ext>
+            </a:extLst>
+          </p:cNvPr>
+          <p:cNvSpPr>
+            <a:spLocks noGrp="1"/>
+          </p:cNvSpPr>
+          <p:nvPr>
+            <p:ph type="body" sz="half" idx="2"/>
+          </p:nvPr>
+        </p:nvSpPr>
+        <p:spPr>
+          <a:xfrm>
+            <a:off x="441325" y="1795463"/>
+            <a:ext cx="5092700" cy="3914775"/>
+          </a:xfrm>
+        </p:spPr>
+        <p:txBody>
+          <a:bodyPr>
+            <a:noAutofit/>
+          </a:bodyPr>
+          <a:lstStyle/>
+          <a:p>
+            <a:pPr marL="342900" indent="-342900">
+              <a:buSzPct val="100000"/>
+              <a:buFont typeface="+mj-lt"/>
+              <a:buAutoNum type="arabicPeriod" startAt="3"/>
+            </a:pPr>
+            <a:r>
+              <a:rPr lang="ru-RU" dirty="0"/>
+              <a:t>Класс </a:t>
+            </a:r>
+            <a:r>
+              <a:rPr lang="en-US" dirty="0"/>
+              <a:t>AddItemDialog</a:t>
+            </a:r>
+            <a:r>
+              <a:rPr lang="ru-RU" dirty="0"/>
+              <a:t>: диалоговое окно добавления нового товара.</a:t>
+            </a:r>
+          </a:p>
+          <a:p>
+            <a:pPr marL="342900" indent="-342900">
+              <a:buFont typeface="+mj-lt"/>
+              <a:buAutoNum type="arabicPeriod" startAt="3"/>
+            </a:pPr>
+            <a:endParaRPr lang="ru-RU" sz="1300" dirty="0"/>
+          </a:p>
+        </p:txBody>
+      </p:sp>
       <p:pic>
         <p:nvPicPr>
-          <p:cNvPr id="3" name="Рисунок 2">
+          <p:cNvPr id="7" name="Рисунок 6">
             <a:extLst>
               <a:ext uri="{FF2B5EF4-FFF2-40B4-BE49-F238E27FC236}">
-                <a16:creationId xmlns:a16="http://schemas.microsoft.com/office/drawing/2014/main" id="{BFA5DD6F-6693-4C9E-949F-B3C22A8B5018}"/>
+                <a16:creationId xmlns:a16="http://schemas.microsoft.com/office/drawing/2014/main" id="{A741D909-16B0-4E05-9CBF-6A8F4D1DE239}"/>
               </a:ext>
             </a:extLst>
           </p:cNvPr>
@@ -7131,69 +7199,14 @@
         </p:blipFill>
         <p:spPr>
           <a:xfrm>
-            <a:off x="5742687" y="1387530"/>
-            <a:ext cx="5864712" cy="4322052"/>
+            <a:off x="6056909" y="2114769"/>
+            <a:ext cx="4714730" cy="2628462"/>
           </a:xfrm>
           <a:prstGeom prst="rect">
             <a:avLst/>
           </a:prstGeom>
         </p:spPr>
       </p:pic>
-      <p:sp>
-        <p:nvSpPr>
-          <p:cNvPr id="6" name="Текст 3">
-            <a:extLst>
-              <a:ext uri="{FF2B5EF4-FFF2-40B4-BE49-F238E27FC236}">
-                <a16:creationId xmlns:a16="http://schemas.microsoft.com/office/drawing/2014/main" id="{CF3124EF-0AE2-4970-B680-96544B7BA376}"/>
-              </a:ext>
-            </a:extLst>
-          </p:cNvPr>
-          <p:cNvSpPr>
-            <a:spLocks noGrp="1"/>
-          </p:cNvSpPr>
-          <p:nvPr>
-            <p:ph type="body" sz="half" idx="2"/>
-          </p:nvPr>
-        </p:nvSpPr>
-        <p:spPr>
-          <a:xfrm>
-            <a:off x="441325" y="1795463"/>
-            <a:ext cx="5092700" cy="3914775"/>
-          </a:xfrm>
-        </p:spPr>
-        <p:txBody>
-          <a:bodyPr>
-            <a:noAutofit/>
-          </a:bodyPr>
-          <a:lstStyle/>
-          <a:p>
-            <a:pPr marL="342900" indent="-342900">
-              <a:buSzPct val="100000"/>
-              <a:buFont typeface="+mj-lt"/>
-              <a:buAutoNum type="arabicPeriod" startAt="3"/>
-            </a:pPr>
-            <a:r>
-              <a:rPr lang="ru-RU" dirty="0"/>
-              <a:t>Класс </a:t>
-            </a:r>
-            <a:r>
-              <a:rPr lang="en-US" dirty="0"/>
-              <a:t>AddItemDialog</a:t>
-            </a:r>
-            <a:r>
-              <a:rPr lang="ru-RU" dirty="0"/>
-              <a:t>: диалоговое окно добавления нового товара.</a:t>
-            </a:r>
-          </a:p>
-          <a:p>
-            <a:pPr marL="342900" indent="-342900">
-              <a:buFont typeface="+mj-lt"/>
-              <a:buAutoNum type="arabicPeriod" startAt="3"/>
-            </a:pPr>
-            <a:endParaRPr lang="ru-RU" sz="1300" dirty="0"/>
-          </a:p>
-        </p:txBody>
-      </p:sp>
     </p:spTree>
     <p:extLst>
       <p:ext uri="{BB962C8B-B14F-4D97-AF65-F5344CB8AC3E}">
@@ -7344,10 +7357,10 @@
       </p:sp>
       <p:pic>
         <p:nvPicPr>
-          <p:cNvPr id="3" name="Рисунок 2">
+          <p:cNvPr id="6" name="Рисунок 5">
             <a:extLst>
               <a:ext uri="{FF2B5EF4-FFF2-40B4-BE49-F238E27FC236}">
-                <a16:creationId xmlns:a16="http://schemas.microsoft.com/office/drawing/2014/main" id="{BFA5DD6F-6693-4C9E-949F-B3C22A8B5018}"/>
+                <a16:creationId xmlns:a16="http://schemas.microsoft.com/office/drawing/2014/main" id="{4EB9EC48-D252-4A0D-925A-4D6881D4824F}"/>
               </a:ext>
             </a:extLst>
           </p:cNvPr>
@@ -7364,8 +7377,8 @@
         </p:blipFill>
         <p:spPr>
           <a:xfrm>
-            <a:off x="5742687" y="1387530"/>
-            <a:ext cx="5864712" cy="4322052"/>
+            <a:off x="6096000" y="2105756"/>
+            <a:ext cx="4342400" cy="2646487"/>
           </a:xfrm>
           <a:prstGeom prst="rect">
             <a:avLst/>
